--- a/提出（学生が出す）ー岡本/AM/17311/pks.pptx
+++ b/提出（学生が出す）ー岡本/AM/17311/pks.pptx
@@ -9,6 +9,8 @@
     <p:sldId id="257" r:id="rId3"/>
     <p:sldId id="258" r:id="rId4"/>
     <p:sldId id="259" r:id="rId5"/>
+    <p:sldId id="261" r:id="rId6"/>
+    <p:sldId id="260" r:id="rId7"/>
   </p:sldIdLst>
   <p:sldSz cx="6858000" cy="9906000" type="A4"/>
   <p:notesSz cx="9144000" cy="6858000"/>
@@ -246,7 +248,7 @@
           <a:p>
             <a:fld id="{4EF3551C-509E-49B7-86CD-8206D15C019E}" type="datetimeFigureOut">
               <a:rPr kumimoji="1" lang="ja-JP" altLang="en-US" smtClean="0"/>
-              <a:t>2019/10/17</a:t>
+              <a:t>2019/12/19</a:t>
             </a:fld>
             <a:endParaRPr kumimoji="1" lang="ja-JP" altLang="en-US"/>
           </a:p>
@@ -448,7 +450,7 @@
           <a:p>
             <a:fld id="{4EF3551C-509E-49B7-86CD-8206D15C019E}" type="datetimeFigureOut">
               <a:rPr kumimoji="1" lang="ja-JP" altLang="en-US" smtClean="0"/>
-              <a:t>2019/10/17</a:t>
+              <a:t>2019/12/19</a:t>
             </a:fld>
             <a:endParaRPr kumimoji="1" lang="ja-JP" altLang="en-US"/>
           </a:p>
@@ -660,7 +662,7 @@
           <a:p>
             <a:fld id="{4EF3551C-509E-49B7-86CD-8206D15C019E}" type="datetimeFigureOut">
               <a:rPr kumimoji="1" lang="ja-JP" altLang="en-US" smtClean="0"/>
-              <a:t>2019/10/17</a:t>
+              <a:t>2019/12/19</a:t>
             </a:fld>
             <a:endParaRPr kumimoji="1" lang="ja-JP" altLang="en-US"/>
           </a:p>
@@ -862,7 +864,7 @@
           <a:p>
             <a:fld id="{4EF3551C-509E-49B7-86CD-8206D15C019E}" type="datetimeFigureOut">
               <a:rPr kumimoji="1" lang="ja-JP" altLang="en-US" smtClean="0"/>
-              <a:t>2019/10/17</a:t>
+              <a:t>2019/12/19</a:t>
             </a:fld>
             <a:endParaRPr kumimoji="1" lang="ja-JP" altLang="en-US"/>
           </a:p>
@@ -1106,7 +1108,7 @@
           <a:p>
             <a:fld id="{4EF3551C-509E-49B7-86CD-8206D15C019E}" type="datetimeFigureOut">
               <a:rPr kumimoji="1" lang="ja-JP" altLang="en-US" smtClean="0"/>
-              <a:t>2019/10/17</a:t>
+              <a:t>2019/12/19</a:t>
             </a:fld>
             <a:endParaRPr kumimoji="1" lang="ja-JP" altLang="en-US"/>
           </a:p>
@@ -1402,7 +1404,7 @@
           <a:p>
             <a:fld id="{4EF3551C-509E-49B7-86CD-8206D15C019E}" type="datetimeFigureOut">
               <a:rPr kumimoji="1" lang="ja-JP" altLang="en-US" smtClean="0"/>
-              <a:t>2019/10/17</a:t>
+              <a:t>2019/12/19</a:t>
             </a:fld>
             <a:endParaRPr kumimoji="1" lang="ja-JP" altLang="en-US"/>
           </a:p>
@@ -1833,7 +1835,7 @@
           <a:p>
             <a:fld id="{4EF3551C-509E-49B7-86CD-8206D15C019E}" type="datetimeFigureOut">
               <a:rPr kumimoji="1" lang="ja-JP" altLang="en-US" smtClean="0"/>
-              <a:t>2019/10/17</a:t>
+              <a:t>2019/12/19</a:t>
             </a:fld>
             <a:endParaRPr kumimoji="1" lang="ja-JP" altLang="en-US"/>
           </a:p>
@@ -1951,7 +1953,7 @@
           <a:p>
             <a:fld id="{4EF3551C-509E-49B7-86CD-8206D15C019E}" type="datetimeFigureOut">
               <a:rPr kumimoji="1" lang="ja-JP" altLang="en-US" smtClean="0"/>
-              <a:t>2019/10/17</a:t>
+              <a:t>2019/12/19</a:t>
             </a:fld>
             <a:endParaRPr kumimoji="1" lang="ja-JP" altLang="en-US"/>
           </a:p>
@@ -2046,7 +2048,7 @@
           <a:p>
             <a:fld id="{4EF3551C-509E-49B7-86CD-8206D15C019E}" type="datetimeFigureOut">
               <a:rPr kumimoji="1" lang="ja-JP" altLang="en-US" smtClean="0"/>
-              <a:t>2019/10/17</a:t>
+              <a:t>2019/12/19</a:t>
             </a:fld>
             <a:endParaRPr kumimoji="1" lang="ja-JP" altLang="en-US"/>
           </a:p>
@@ -2355,7 +2357,7 @@
           <a:p>
             <a:fld id="{4EF3551C-509E-49B7-86CD-8206D15C019E}" type="datetimeFigureOut">
               <a:rPr kumimoji="1" lang="ja-JP" altLang="en-US" smtClean="0"/>
-              <a:t>2019/10/17</a:t>
+              <a:t>2019/12/19</a:t>
             </a:fld>
             <a:endParaRPr kumimoji="1" lang="ja-JP" altLang="en-US"/>
           </a:p>
@@ -2612,7 +2614,7 @@
           <a:p>
             <a:fld id="{4EF3551C-509E-49B7-86CD-8206D15C019E}" type="datetimeFigureOut">
               <a:rPr kumimoji="1" lang="ja-JP" altLang="en-US" smtClean="0"/>
-              <a:t>2019/10/17</a:t>
+              <a:t>2019/12/19</a:t>
             </a:fld>
             <a:endParaRPr kumimoji="1" lang="ja-JP" altLang="en-US"/>
           </a:p>
@@ -2857,7 +2859,7 @@
           <a:p>
             <a:fld id="{4EF3551C-509E-49B7-86CD-8206D15C019E}" type="datetimeFigureOut">
               <a:rPr kumimoji="1" lang="ja-JP" altLang="en-US" smtClean="0"/>
-              <a:t>2019/10/17</a:t>
+              <a:t>2019/12/19</a:t>
             </a:fld>
             <a:endParaRPr kumimoji="1" lang="ja-JP" altLang="en-US"/>
           </a:p>
@@ -4899,6 +4901,76 @@
           </a:p>
         </p:txBody>
       </p:sp>
+      <p:cxnSp>
+        <p:nvCxnSpPr>
+          <p:cNvPr id="11" name="直線コネクタ 10"/>
+          <p:cNvCxnSpPr/>
+          <p:nvPr/>
+        </p:nvCxnSpPr>
+        <p:spPr>
+          <a:xfrm>
+            <a:off x="449580" y="419100"/>
+            <a:ext cx="6019800" cy="0"/>
+          </a:xfrm>
+          <a:prstGeom prst="line">
+            <a:avLst/>
+          </a:prstGeom>
+          <a:ln>
+            <a:solidFill>
+              <a:srgbClr val="C00000"/>
+            </a:solidFill>
+          </a:ln>
+        </p:spPr>
+        <p:style>
+          <a:lnRef idx="3">
+            <a:schemeClr val="accent4"/>
+          </a:lnRef>
+          <a:fillRef idx="0">
+            <a:schemeClr val="accent4"/>
+          </a:fillRef>
+          <a:effectRef idx="2">
+            <a:schemeClr val="accent4"/>
+          </a:effectRef>
+          <a:fontRef idx="minor">
+            <a:schemeClr val="tx1"/>
+          </a:fontRef>
+        </p:style>
+      </p:cxnSp>
+      <p:cxnSp>
+        <p:nvCxnSpPr>
+          <p:cNvPr id="12" name="直線コネクタ 11"/>
+          <p:cNvCxnSpPr/>
+          <p:nvPr/>
+        </p:nvCxnSpPr>
+        <p:spPr>
+          <a:xfrm>
+            <a:off x="419100" y="236220"/>
+            <a:ext cx="6019800" cy="0"/>
+          </a:xfrm>
+          <a:prstGeom prst="line">
+            <a:avLst/>
+          </a:prstGeom>
+          <a:ln w="9525">
+            <a:solidFill>
+              <a:schemeClr val="tx1"/>
+            </a:solidFill>
+          </a:ln>
+        </p:spPr>
+        <p:style>
+          <a:lnRef idx="3">
+            <a:schemeClr val="accent4"/>
+          </a:lnRef>
+          <a:fillRef idx="0">
+            <a:schemeClr val="accent4"/>
+          </a:fillRef>
+          <a:effectRef idx="2">
+            <a:schemeClr val="accent4"/>
+          </a:effectRef>
+          <a:fontRef idx="minor">
+            <a:schemeClr val="tx1"/>
+          </a:fontRef>
+        </p:style>
+      </p:cxnSp>
     </p:spTree>
     <p:extLst>
       <p:ext uri="{BB962C8B-B14F-4D97-AF65-F5344CB8AC3E}">
@@ -5390,15 +5462,7 @@
               <a:srgbClr val="C0C0C0"/>
             </a:contourClr>
           </a:sp3d>
-          <a:extLst>
-            <a:ext uri="{909E8E84-426E-40DD-AFC4-6F175D3DCCD1}">
-              <a14:hiddenFill xmlns:a14="http://schemas.microsoft.com/office/drawing/2010/main">
-                <a:solidFill>
-                  <a:srgbClr val="FFFFFF"/>
-                </a:solidFill>
-              </a14:hiddenFill>
-            </a:ext>
-          </a:extLst>
+          <a:extLst/>
         </p:spPr>
       </p:pic>
       <p:pic>
@@ -5494,44 +5558,6 @@
           <a:chExt cx="0" cy="0"/>
         </a:xfrm>
       </p:grpSpPr>
-      <p:sp>
-        <p:nvSpPr>
-          <p:cNvPr id="2" name="タイトル 1"/>
-          <p:cNvSpPr>
-            <a:spLocks noGrp="1"/>
-          </p:cNvSpPr>
-          <p:nvPr>
-            <p:ph type="title"/>
-          </p:nvPr>
-        </p:nvSpPr>
-        <p:spPr>
-          <a:xfrm>
-            <a:off x="471488" y="413105"/>
-            <a:ext cx="5915025" cy="1914702"/>
-          </a:xfrm>
-        </p:spPr>
-        <p:txBody>
-          <a:bodyPr>
-            <a:normAutofit/>
-          </a:bodyPr>
-          <a:lstStyle/>
-          <a:p>
-            <a:r>
-              <a:rPr lang="en-US" altLang="ja-JP" dirty="0" smtClean="0">
-                <a:solidFill>
-                  <a:srgbClr val="660066"/>
-                </a:solidFill>
-              </a:rPr>
-              <a:t>STREET FOODS NEPAL</a:t>
-            </a:r>
-            <a:endParaRPr lang="ja-JP" altLang="en-US" dirty="0">
-              <a:solidFill>
-                <a:srgbClr val="660066"/>
-              </a:solidFill>
-            </a:endParaRPr>
-          </a:p>
-        </p:txBody>
-      </p:sp>
       <p:cxnSp>
         <p:nvCxnSpPr>
           <p:cNvPr id="7" name="直線コネクタ 6"/>
@@ -5627,10 +5653,1300 @@
           </a:fontRef>
         </p:style>
       </p:cxnSp>
+      <p:sp>
+        <p:nvSpPr>
+          <p:cNvPr id="3" name="正方形/長方形 2"/>
+          <p:cNvSpPr/>
+          <p:nvPr/>
+        </p:nvSpPr>
+        <p:spPr>
+          <a:xfrm>
+            <a:off x="419099" y="1276353"/>
+            <a:ext cx="4078079" cy="3385542"/>
+          </a:xfrm>
+          <a:prstGeom prst="rect">
+            <a:avLst/>
+          </a:prstGeom>
+        </p:spPr>
+        <p:txBody>
+          <a:bodyPr wrap="square">
+            <a:spAutoFit/>
+          </a:bodyPr>
+          <a:lstStyle/>
+          <a:p>
+            <a:r>
+              <a:rPr lang="en-US" altLang="ja-JP" dirty="0">
+                <a:solidFill>
+                  <a:schemeClr val="accent4">
+                    <a:lumMod val="60000"/>
+                    <a:lumOff val="40000"/>
+                  </a:schemeClr>
+                </a:solidFill>
+              </a:rPr>
+              <a:t>DAL BHAT POWER</a:t>
+            </a:r>
+          </a:p>
+          <a:p>
+            <a:endParaRPr lang="en-US" altLang="ja-JP" sz="1600" dirty="0">
+              <a:solidFill>
+                <a:schemeClr val="accent4">
+                  <a:lumMod val="60000"/>
+                  <a:lumOff val="40000"/>
+                </a:schemeClr>
+              </a:solidFill>
+            </a:endParaRPr>
+          </a:p>
+          <a:p>
+            <a:r>
+              <a:rPr lang="en-US" altLang="ja-JP" dirty="0">
+                <a:solidFill>
+                  <a:schemeClr val="accent4">
+                    <a:lumMod val="60000"/>
+                    <a:lumOff val="40000"/>
+                  </a:schemeClr>
+                </a:solidFill>
+              </a:rPr>
+              <a:t>The authentic </a:t>
+            </a:r>
+            <a:r>
+              <a:rPr lang="en-US" altLang="ja-JP" dirty="0" err="1">
+                <a:solidFill>
+                  <a:schemeClr val="accent4">
+                    <a:lumMod val="60000"/>
+                    <a:lumOff val="40000"/>
+                  </a:schemeClr>
+                </a:solidFill>
+              </a:rPr>
+              <a:t>nepali</a:t>
+            </a:r>
+            <a:r>
+              <a:rPr lang="en-US" altLang="ja-JP" dirty="0">
+                <a:solidFill>
+                  <a:schemeClr val="accent4">
+                    <a:lumMod val="60000"/>
+                    <a:lumOff val="40000"/>
+                  </a:schemeClr>
+                </a:solidFill>
+              </a:rPr>
+              <a:t> cuisine. </a:t>
+            </a:r>
+            <a:r>
+              <a:rPr lang="en-US" altLang="ja-JP" dirty="0" err="1">
+                <a:solidFill>
+                  <a:schemeClr val="accent4">
+                    <a:lumMod val="60000"/>
+                    <a:lumOff val="40000"/>
+                  </a:schemeClr>
+                </a:solidFill>
+              </a:rPr>
+              <a:t>Nepalis</a:t>
+            </a:r>
+            <a:r>
+              <a:rPr lang="en-US" altLang="ja-JP" dirty="0">
+                <a:solidFill>
+                  <a:schemeClr val="accent4">
+                    <a:lumMod val="60000"/>
+                    <a:lumOff val="40000"/>
+                  </a:schemeClr>
+                </a:solidFill>
+              </a:rPr>
+              <a:t> are used to  eat it everyday . Either the lunch or dinner its suitable the either way. It is like an everyday food for the </a:t>
+            </a:r>
+            <a:r>
+              <a:rPr lang="en-US" altLang="ja-JP" dirty="0" err="1">
+                <a:solidFill>
+                  <a:schemeClr val="accent4">
+                    <a:lumMod val="60000"/>
+                    <a:lumOff val="40000"/>
+                  </a:schemeClr>
+                </a:solidFill>
+              </a:rPr>
+              <a:t>nepalis</a:t>
+            </a:r>
+            <a:r>
+              <a:rPr lang="en-US" altLang="ja-JP" dirty="0">
+                <a:solidFill>
+                  <a:schemeClr val="accent4">
+                    <a:lumMod val="60000"/>
+                    <a:lumOff val="40000"/>
+                  </a:schemeClr>
+                </a:solidFill>
+              </a:rPr>
+              <a:t> family. Even the foreigners living in Nepal loves it too. Cooked in the </a:t>
+            </a:r>
+            <a:r>
+              <a:rPr lang="en-US" altLang="ja-JP" dirty="0" err="1">
+                <a:solidFill>
+                  <a:schemeClr val="accent4">
+                    <a:lumMod val="60000"/>
+                    <a:lumOff val="40000"/>
+                  </a:schemeClr>
+                </a:solidFill>
+              </a:rPr>
+              <a:t>nepali</a:t>
+            </a:r>
+            <a:r>
+              <a:rPr lang="en-US" altLang="ja-JP" dirty="0">
+                <a:solidFill>
+                  <a:schemeClr val="accent4">
+                    <a:lumMod val="60000"/>
+                    <a:lumOff val="40000"/>
+                  </a:schemeClr>
+                </a:solidFill>
+              </a:rPr>
+              <a:t> way which includes rice .dal ,meat vegetable curry , pickles, salads. If you are very hungry you can always go for the dal  </a:t>
+            </a:r>
+            <a:r>
+              <a:rPr lang="en-US" altLang="ja-JP" dirty="0" err="1">
+                <a:solidFill>
+                  <a:schemeClr val="accent4">
+                    <a:lumMod val="60000"/>
+                    <a:lumOff val="40000"/>
+                  </a:schemeClr>
+                </a:solidFill>
+              </a:rPr>
+              <a:t>bhat</a:t>
+            </a:r>
+            <a:r>
+              <a:rPr lang="en-US" altLang="ja-JP" dirty="0">
+                <a:solidFill>
+                  <a:schemeClr val="accent4">
+                    <a:lumMod val="60000"/>
+                    <a:lumOff val="40000"/>
+                  </a:schemeClr>
+                </a:solidFill>
+              </a:rPr>
+              <a:t>. </a:t>
+            </a:r>
+            <a:endParaRPr lang="ja-JP" altLang="en-US" dirty="0">
+              <a:solidFill>
+                <a:schemeClr val="accent4">
+                  <a:lumMod val="60000"/>
+                  <a:lumOff val="40000"/>
+                </a:schemeClr>
+              </a:solidFill>
+            </a:endParaRPr>
+          </a:p>
+        </p:txBody>
+      </p:sp>
+      <p:pic>
+        <p:nvPicPr>
+          <p:cNvPr id="10" name="図 9"/>
+          <p:cNvPicPr>
+            <a:picLocks noChangeAspect="1"/>
+          </p:cNvPicPr>
+          <p:nvPr/>
+        </p:nvPicPr>
+        <p:blipFill>
+          <a:blip r:embed="rId2" cstate="print">
+            <a:extLst>
+              <a:ext uri="{28A0092B-C50C-407E-A947-70E740481C1C}">
+                <a14:useLocalDpi xmlns:a14="http://schemas.microsoft.com/office/drawing/2010/main" val="0"/>
+              </a:ext>
+            </a:extLst>
+          </a:blip>
+          <a:stretch>
+            <a:fillRect/>
+          </a:stretch>
+        </p:blipFill>
+        <p:spPr>
+          <a:xfrm>
+            <a:off x="4466698" y="2132952"/>
+            <a:ext cx="2247693" cy="1859928"/>
+          </a:xfrm>
+          <a:prstGeom prst="round2DiagRect">
+            <a:avLst>
+              <a:gd name="adj1" fmla="val 16667"/>
+              <a:gd name="adj2" fmla="val 0"/>
+            </a:avLst>
+          </a:prstGeom>
+          <a:ln w="88900" cap="sq">
+            <a:solidFill>
+              <a:srgbClr val="FFFFFF"/>
+            </a:solidFill>
+            <a:miter lim="800000"/>
+          </a:ln>
+          <a:effectLst>
+            <a:outerShdw blurRad="254000" algn="tl" rotWithShape="0">
+              <a:srgbClr val="000000">
+                <a:alpha val="43000"/>
+              </a:srgbClr>
+            </a:outerShdw>
+          </a:effectLst>
+        </p:spPr>
+      </p:pic>
+      <p:sp>
+        <p:nvSpPr>
+          <p:cNvPr id="4" name="正方形/長方形 3"/>
+          <p:cNvSpPr/>
+          <p:nvPr/>
+        </p:nvSpPr>
+        <p:spPr>
+          <a:xfrm>
+            <a:off x="419099" y="5366747"/>
+            <a:ext cx="3429000" cy="3139321"/>
+          </a:xfrm>
+          <a:prstGeom prst="rect">
+            <a:avLst/>
+          </a:prstGeom>
+        </p:spPr>
+        <p:txBody>
+          <a:bodyPr>
+            <a:spAutoFit/>
+          </a:bodyPr>
+          <a:lstStyle/>
+          <a:p>
+            <a:r>
+              <a:rPr lang="en-US" altLang="ja-JP" dirty="0">
+                <a:solidFill>
+                  <a:schemeClr val="accent4">
+                    <a:lumMod val="60000"/>
+                    <a:lumOff val="40000"/>
+                  </a:schemeClr>
+                </a:solidFill>
+              </a:rPr>
+              <a:t>THUKPAA</a:t>
+            </a:r>
+          </a:p>
+          <a:p>
+            <a:endParaRPr lang="en-US" altLang="ja-JP" dirty="0">
+              <a:solidFill>
+                <a:schemeClr val="accent4">
+                  <a:lumMod val="60000"/>
+                  <a:lumOff val="40000"/>
+                </a:schemeClr>
+              </a:solidFill>
+            </a:endParaRPr>
+          </a:p>
+          <a:p>
+            <a:r>
+              <a:rPr lang="en-US" altLang="ja-JP" dirty="0">
+                <a:solidFill>
+                  <a:schemeClr val="accent4">
+                    <a:lumMod val="60000"/>
+                    <a:lumOff val="40000"/>
+                  </a:schemeClr>
+                </a:solidFill>
+              </a:rPr>
+              <a:t>A thick noodle soup that can include meat, egg or </a:t>
+            </a:r>
+          </a:p>
+          <a:p>
+            <a:r>
+              <a:rPr lang="en-US" altLang="ja-JP" dirty="0">
+                <a:solidFill>
+                  <a:schemeClr val="accent4">
+                    <a:lumMod val="60000"/>
+                    <a:lumOff val="40000"/>
+                  </a:schemeClr>
+                </a:solidFill>
+              </a:rPr>
+              <a:t>just vegetables, </a:t>
+            </a:r>
+            <a:r>
+              <a:rPr lang="en-US" altLang="ja-JP" dirty="0" err="1">
+                <a:solidFill>
+                  <a:schemeClr val="accent4">
+                    <a:lumMod val="60000"/>
+                    <a:lumOff val="40000"/>
+                  </a:schemeClr>
+                </a:solidFill>
+              </a:rPr>
+              <a:t>thukpa</a:t>
+            </a:r>
+            <a:r>
+              <a:rPr lang="en-US" altLang="ja-JP" dirty="0">
+                <a:solidFill>
+                  <a:schemeClr val="accent4">
+                    <a:lumMod val="60000"/>
+                    <a:lumOff val="40000"/>
+                  </a:schemeClr>
+                </a:solidFill>
+              </a:rPr>
+              <a:t> is a winter delicacy from </a:t>
+            </a:r>
+          </a:p>
+          <a:p>
+            <a:r>
+              <a:rPr lang="en-US" altLang="ja-JP" dirty="0">
+                <a:solidFill>
+                  <a:schemeClr val="accent4">
+                    <a:lumMod val="60000"/>
+                    <a:lumOff val="40000"/>
+                  </a:schemeClr>
+                </a:solidFill>
+              </a:rPr>
+              <a:t>the mountains of Nepal that is often served with </a:t>
+            </a:r>
+          </a:p>
+          <a:p>
+            <a:r>
+              <a:rPr lang="en-US" altLang="ja-JP" dirty="0">
+                <a:solidFill>
+                  <a:schemeClr val="accent4">
+                    <a:lumMod val="60000"/>
+                    <a:lumOff val="40000"/>
+                  </a:schemeClr>
+                </a:solidFill>
+              </a:rPr>
+              <a:t>an accompanying dish of </a:t>
+            </a:r>
+            <a:r>
+              <a:rPr lang="en-US" altLang="ja-JP" dirty="0" err="1">
+                <a:solidFill>
+                  <a:schemeClr val="accent4">
+                    <a:lumMod val="60000"/>
+                    <a:lumOff val="40000"/>
+                  </a:schemeClr>
+                </a:solidFill>
+              </a:rPr>
+              <a:t>momo</a:t>
+            </a:r>
+            <a:r>
+              <a:rPr lang="en-US" altLang="ja-JP" dirty="0">
+                <a:solidFill>
+                  <a:schemeClr val="accent4">
+                    <a:lumMod val="60000"/>
+                    <a:lumOff val="40000"/>
+                  </a:schemeClr>
+                </a:solidFill>
+              </a:rPr>
+              <a:t>. Influenced by </a:t>
+            </a:r>
+          </a:p>
+          <a:p>
+            <a:r>
+              <a:rPr lang="en-US" altLang="ja-JP" dirty="0">
+                <a:solidFill>
+                  <a:schemeClr val="accent4">
+                    <a:lumMod val="60000"/>
+                    <a:lumOff val="40000"/>
+                  </a:schemeClr>
+                </a:solidFill>
+              </a:rPr>
+              <a:t>both Tibetan and Chinese cuisine</a:t>
+            </a:r>
+            <a:endParaRPr lang="ja-JP" altLang="en-US" dirty="0">
+              <a:solidFill>
+                <a:schemeClr val="accent4">
+                  <a:lumMod val="60000"/>
+                  <a:lumOff val="40000"/>
+                </a:schemeClr>
+              </a:solidFill>
+            </a:endParaRPr>
+          </a:p>
+        </p:txBody>
+      </p:sp>
+      <p:pic>
+        <p:nvPicPr>
+          <p:cNvPr id="11" name="図 10"/>
+          <p:cNvPicPr>
+            <a:picLocks noChangeAspect="1"/>
+          </p:cNvPicPr>
+          <p:nvPr/>
+        </p:nvPicPr>
+        <p:blipFill>
+          <a:blip r:embed="rId3" cstate="print">
+            <a:extLst>
+              <a:ext uri="{28A0092B-C50C-407E-A947-70E740481C1C}">
+                <a14:useLocalDpi xmlns:a14="http://schemas.microsoft.com/office/drawing/2010/main" val="0"/>
+              </a:ext>
+            </a:extLst>
+          </a:blip>
+          <a:stretch>
+            <a:fillRect/>
+          </a:stretch>
+        </p:blipFill>
+        <p:spPr>
+          <a:xfrm>
+            <a:off x="4042849" y="5949026"/>
+            <a:ext cx="2517971" cy="2310705"/>
+          </a:xfrm>
+          <a:prstGeom prst="round2DiagRect">
+            <a:avLst>
+              <a:gd name="adj1" fmla="val 16667"/>
+              <a:gd name="adj2" fmla="val 0"/>
+            </a:avLst>
+          </a:prstGeom>
+          <a:ln w="88900" cap="sq">
+            <a:solidFill>
+              <a:srgbClr val="FFFFFF"/>
+            </a:solidFill>
+            <a:miter lim="800000"/>
+          </a:ln>
+          <a:effectLst>
+            <a:outerShdw blurRad="254000" algn="tl" rotWithShape="0">
+              <a:srgbClr val="000000">
+                <a:alpha val="43000"/>
+              </a:srgbClr>
+            </a:outerShdw>
+          </a:effectLst>
+        </p:spPr>
+      </p:pic>
     </p:spTree>
     <p:extLst>
       <p:ext uri="{BB962C8B-B14F-4D97-AF65-F5344CB8AC3E}">
         <p14:creationId xmlns:p14="http://schemas.microsoft.com/office/powerpoint/2010/main" val="3496818212"/>
+      </p:ext>
+    </p:extLst>
+  </p:cSld>
+  <p:clrMapOvr>
+    <a:masterClrMapping/>
+  </p:clrMapOvr>
+  <p:timing>
+    <p:tnLst>
+      <p:par>
+        <p:cTn id="1" dur="indefinite" restart="never" nodeType="tmRoot"/>
+      </p:par>
+    </p:tnLst>
+  </p:timing>
+</p:sld>
+</file>
+
+<file path=ppt/slides/slide5.xml><?xml version="1.0" encoding="utf-8"?>
+<p:sld xmlns:a="http://schemas.openxmlformats.org/drawingml/2006/main" xmlns:r="http://schemas.openxmlformats.org/officeDocument/2006/relationships" xmlns:p="http://schemas.openxmlformats.org/presentationml/2006/main">
+  <p:cSld>
+    <p:spTree>
+      <p:nvGrpSpPr>
+        <p:cNvPr id="1" name=""/>
+        <p:cNvGrpSpPr/>
+        <p:nvPr/>
+      </p:nvGrpSpPr>
+      <p:grpSpPr>
+        <a:xfrm>
+          <a:off x="0" y="0"/>
+          <a:ext cx="0" cy="0"/>
+          <a:chOff x="0" y="0"/>
+          <a:chExt cx="0" cy="0"/>
+        </a:xfrm>
+      </p:grpSpPr>
+      <p:cxnSp>
+        <p:nvCxnSpPr>
+          <p:cNvPr id="7" name="直線コネクタ 6"/>
+          <p:cNvCxnSpPr/>
+          <p:nvPr/>
+        </p:nvCxnSpPr>
+        <p:spPr>
+          <a:xfrm>
+            <a:off x="419100" y="723900"/>
+            <a:ext cx="6019800" cy="0"/>
+          </a:xfrm>
+          <a:prstGeom prst="line">
+            <a:avLst/>
+          </a:prstGeom>
+        </p:spPr>
+        <p:style>
+          <a:lnRef idx="3">
+            <a:schemeClr val="accent5"/>
+          </a:lnRef>
+          <a:fillRef idx="0">
+            <a:schemeClr val="accent5"/>
+          </a:fillRef>
+          <a:effectRef idx="2">
+            <a:schemeClr val="accent5"/>
+          </a:effectRef>
+          <a:fontRef idx="minor">
+            <a:schemeClr val="tx1"/>
+          </a:fontRef>
+        </p:style>
+      </p:cxnSp>
+      <p:cxnSp>
+        <p:nvCxnSpPr>
+          <p:cNvPr id="8" name="直線コネクタ 7"/>
+          <p:cNvCxnSpPr/>
+          <p:nvPr/>
+        </p:nvCxnSpPr>
+        <p:spPr>
+          <a:xfrm>
+            <a:off x="419100" y="876300"/>
+            <a:ext cx="6019800" cy="0"/>
+          </a:xfrm>
+          <a:prstGeom prst="line">
+            <a:avLst/>
+          </a:prstGeom>
+        </p:spPr>
+        <p:style>
+          <a:lnRef idx="3">
+            <a:schemeClr val="accent4"/>
+          </a:lnRef>
+          <a:fillRef idx="0">
+            <a:schemeClr val="accent4"/>
+          </a:fillRef>
+          <a:effectRef idx="2">
+            <a:schemeClr val="accent4"/>
+          </a:effectRef>
+          <a:fontRef idx="minor">
+            <a:schemeClr val="tx1"/>
+          </a:fontRef>
+        </p:style>
+      </p:cxnSp>
+      <p:cxnSp>
+        <p:nvCxnSpPr>
+          <p:cNvPr id="9" name="直線コネクタ 8"/>
+          <p:cNvCxnSpPr/>
+          <p:nvPr/>
+        </p:nvCxnSpPr>
+        <p:spPr>
+          <a:xfrm>
+            <a:off x="419100" y="571500"/>
+            <a:ext cx="6019800" cy="0"/>
+          </a:xfrm>
+          <a:prstGeom prst="line">
+            <a:avLst/>
+          </a:prstGeom>
+          <a:ln>
+            <a:solidFill>
+              <a:schemeClr val="tx1"/>
+            </a:solidFill>
+          </a:ln>
+        </p:spPr>
+        <p:style>
+          <a:lnRef idx="3">
+            <a:schemeClr val="accent4"/>
+          </a:lnRef>
+          <a:fillRef idx="0">
+            <a:schemeClr val="accent4"/>
+          </a:fillRef>
+          <a:effectRef idx="2">
+            <a:schemeClr val="accent4"/>
+          </a:effectRef>
+          <a:fontRef idx="minor">
+            <a:schemeClr val="tx1"/>
+          </a:fontRef>
+        </p:style>
+      </p:cxnSp>
+      <p:sp>
+        <p:nvSpPr>
+          <p:cNvPr id="3" name="正方形/長方形 2"/>
+          <p:cNvSpPr/>
+          <p:nvPr/>
+        </p:nvSpPr>
+        <p:spPr>
+          <a:xfrm>
+            <a:off x="419100" y="1049045"/>
+            <a:ext cx="3277774" cy="2862322"/>
+          </a:xfrm>
+          <a:prstGeom prst="rect">
+            <a:avLst/>
+          </a:prstGeom>
+        </p:spPr>
+        <p:txBody>
+          <a:bodyPr wrap="square">
+            <a:spAutoFit/>
+          </a:bodyPr>
+          <a:lstStyle/>
+          <a:p>
+            <a:r>
+              <a:rPr lang="en-US" altLang="ja-JP" b="1" dirty="0">
+                <a:latin typeface="Bahnschrift" panose="020B0502040204020203" pitchFamily="34" charset="0"/>
+              </a:rPr>
+              <a:t>MO:MO:</a:t>
+            </a:r>
+          </a:p>
+          <a:p>
+            <a:r>
+              <a:rPr lang="en-US" altLang="ja-JP" dirty="0">
+                <a:solidFill>
+                  <a:schemeClr val="accent4">
+                    <a:lumMod val="60000"/>
+                    <a:lumOff val="40000"/>
+                  </a:schemeClr>
+                </a:solidFill>
+              </a:rPr>
+              <a:t>One of  the most popular and liked food by every </a:t>
+            </a:r>
+            <a:r>
+              <a:rPr lang="en-US" altLang="ja-JP" dirty="0" err="1" smtClean="0">
+                <a:solidFill>
+                  <a:schemeClr val="accent4">
+                    <a:lumMod val="60000"/>
+                    <a:lumOff val="40000"/>
+                  </a:schemeClr>
+                </a:solidFill>
+              </a:rPr>
+              <a:t>Nepalis</a:t>
+            </a:r>
+            <a:r>
+              <a:rPr lang="en-US" altLang="ja-JP" dirty="0" smtClean="0">
+                <a:solidFill>
+                  <a:schemeClr val="accent4">
+                    <a:lumMod val="60000"/>
+                    <a:lumOff val="40000"/>
+                  </a:schemeClr>
+                </a:solidFill>
+              </a:rPr>
+              <a:t> . </a:t>
+            </a:r>
+            <a:r>
+              <a:rPr lang="en-US" altLang="ja-JP" dirty="0">
+                <a:solidFill>
+                  <a:schemeClr val="accent4">
+                    <a:lumMod val="60000"/>
+                    <a:lumOff val="40000"/>
+                  </a:schemeClr>
+                </a:solidFill>
+              </a:rPr>
+              <a:t>Easy to get locally so can be eaten as a snack ,lunch , dinner…upon you!!</a:t>
+            </a:r>
+          </a:p>
+          <a:p>
+            <a:r>
+              <a:rPr lang="en-US" altLang="ja-JP" dirty="0">
+                <a:solidFill>
+                  <a:schemeClr val="accent4">
+                    <a:lumMod val="60000"/>
+                    <a:lumOff val="40000"/>
+                  </a:schemeClr>
+                </a:solidFill>
+              </a:rPr>
+              <a:t>You can order it in your own style either the Steam ,the Fried or </a:t>
+            </a:r>
+            <a:r>
+              <a:rPr lang="en-US" altLang="ja-JP" dirty="0" smtClean="0">
+                <a:solidFill>
+                  <a:schemeClr val="accent4">
+                    <a:lumMod val="60000"/>
+                    <a:lumOff val="40000"/>
+                  </a:schemeClr>
+                </a:solidFill>
+              </a:rPr>
+              <a:t>dipped </a:t>
+            </a:r>
+            <a:r>
+              <a:rPr lang="en-US" altLang="ja-JP" dirty="0">
+                <a:solidFill>
+                  <a:schemeClr val="accent4">
+                    <a:lumMod val="60000"/>
+                    <a:lumOff val="40000"/>
+                  </a:schemeClr>
+                </a:solidFill>
+              </a:rPr>
+              <a:t>in the soup or  chilly </a:t>
+            </a:r>
+            <a:r>
+              <a:rPr lang="en-US" altLang="ja-JP" dirty="0" err="1" smtClean="0">
+                <a:solidFill>
+                  <a:schemeClr val="accent4">
+                    <a:lumMod val="60000"/>
+                    <a:lumOff val="40000"/>
+                  </a:schemeClr>
+                </a:solidFill>
+              </a:rPr>
+              <a:t>momo</a:t>
+            </a:r>
+            <a:r>
+              <a:rPr lang="en-US" altLang="ja-JP" dirty="0" smtClean="0">
+                <a:solidFill>
+                  <a:schemeClr val="accent4">
+                    <a:lumMod val="60000"/>
+                    <a:lumOff val="40000"/>
+                  </a:schemeClr>
+                </a:solidFill>
+              </a:rPr>
+              <a:t> . </a:t>
+            </a:r>
+            <a:endParaRPr lang="en-US" altLang="ja-JP" dirty="0">
+              <a:solidFill>
+                <a:schemeClr val="accent4">
+                  <a:lumMod val="60000"/>
+                  <a:lumOff val="40000"/>
+                </a:schemeClr>
+              </a:solidFill>
+            </a:endParaRPr>
+          </a:p>
+        </p:txBody>
+      </p:sp>
+      <p:pic>
+        <p:nvPicPr>
+          <p:cNvPr id="10" name="図 9"/>
+          <p:cNvPicPr>
+            <a:picLocks noChangeAspect="1"/>
+          </p:cNvPicPr>
+          <p:nvPr/>
+        </p:nvPicPr>
+        <p:blipFill>
+          <a:blip r:embed="rId2" cstate="print">
+            <a:extLst>
+              <a:ext uri="{28A0092B-C50C-407E-A947-70E740481C1C}">
+                <a14:useLocalDpi xmlns:a14="http://schemas.microsoft.com/office/drawing/2010/main" val="0"/>
+              </a:ext>
+            </a:extLst>
+          </a:blip>
+          <a:stretch>
+            <a:fillRect/>
+          </a:stretch>
+        </p:blipFill>
+        <p:spPr>
+          <a:xfrm>
+            <a:off x="4113971" y="1601641"/>
+            <a:ext cx="2383200" cy="1830514"/>
+          </a:xfrm>
+          <a:prstGeom prst="round2DiagRect">
+            <a:avLst>
+              <a:gd name="adj1" fmla="val 16667"/>
+              <a:gd name="adj2" fmla="val 0"/>
+            </a:avLst>
+          </a:prstGeom>
+          <a:ln w="88900" cap="sq">
+            <a:solidFill>
+              <a:srgbClr val="FFFFFF"/>
+            </a:solidFill>
+            <a:miter lim="800000"/>
+          </a:ln>
+          <a:effectLst>
+            <a:outerShdw blurRad="254000" algn="tl" rotWithShape="0">
+              <a:srgbClr val="000000">
+                <a:alpha val="43000"/>
+              </a:srgbClr>
+            </a:outerShdw>
+          </a:effectLst>
+        </p:spPr>
+      </p:pic>
+      <p:sp>
+        <p:nvSpPr>
+          <p:cNvPr id="4" name="正方形/長方形 3"/>
+          <p:cNvSpPr/>
+          <p:nvPr/>
+        </p:nvSpPr>
+        <p:spPr>
+          <a:xfrm>
+            <a:off x="3068171" y="4383533"/>
+            <a:ext cx="3429000" cy="2308324"/>
+          </a:xfrm>
+          <a:prstGeom prst="rect">
+            <a:avLst/>
+          </a:prstGeom>
+        </p:spPr>
+        <p:txBody>
+          <a:bodyPr>
+            <a:spAutoFit/>
+          </a:bodyPr>
+          <a:lstStyle/>
+          <a:p>
+            <a:r>
+              <a:rPr lang="en-US" altLang="ja-JP" b="1" dirty="0">
+                <a:latin typeface="Bahnschrift" panose="020B0502040204020203" pitchFamily="34" charset="0"/>
+              </a:rPr>
+              <a:t>CHOWMEIN</a:t>
+            </a:r>
+          </a:p>
+          <a:p>
+            <a:r>
+              <a:rPr lang="en-US" altLang="ja-JP" dirty="0">
+                <a:solidFill>
+                  <a:schemeClr val="accent4">
+                    <a:lumMod val="60000"/>
+                    <a:lumOff val="40000"/>
+                  </a:schemeClr>
+                </a:solidFill>
+                <a:latin typeface="Bahnschrift" panose="020B0502040204020203" pitchFamily="34" charset="0"/>
+              </a:rPr>
+              <a:t>The noodles boiled in water and prepared with the mixing of different spices .You can have it on your </a:t>
+            </a:r>
+            <a:r>
+              <a:rPr lang="en-US" altLang="ja-JP" dirty="0" err="1">
+                <a:solidFill>
+                  <a:schemeClr val="accent4">
+                    <a:lumMod val="60000"/>
+                    <a:lumOff val="40000"/>
+                  </a:schemeClr>
+                </a:solidFill>
+                <a:latin typeface="Bahnschrift" panose="020B0502040204020203" pitchFamily="34" charset="0"/>
+              </a:rPr>
+              <a:t>iown</a:t>
+            </a:r>
+            <a:r>
+              <a:rPr lang="en-US" altLang="ja-JP" dirty="0">
+                <a:solidFill>
+                  <a:schemeClr val="accent4">
+                    <a:lumMod val="60000"/>
+                    <a:lumOff val="40000"/>
+                  </a:schemeClr>
+                </a:solidFill>
+                <a:latin typeface="Bahnschrift" panose="020B0502040204020203" pitchFamily="34" charset="0"/>
+              </a:rPr>
+              <a:t> choice either mixed with chicken or the vegetarian way.</a:t>
+            </a:r>
+          </a:p>
+          <a:p>
+            <a:endParaRPr lang="ja-JP" altLang="en-US" dirty="0"/>
+          </a:p>
+        </p:txBody>
+      </p:sp>
+      <p:pic>
+        <p:nvPicPr>
+          <p:cNvPr id="12" name="図 11"/>
+          <p:cNvPicPr>
+            <a:picLocks noChangeAspect="1"/>
+          </p:cNvPicPr>
+          <p:nvPr/>
+        </p:nvPicPr>
+        <p:blipFill>
+          <a:blip r:embed="rId3" cstate="print">
+            <a:extLst>
+              <a:ext uri="{28A0092B-C50C-407E-A947-70E740481C1C}">
+                <a14:useLocalDpi xmlns:a14="http://schemas.microsoft.com/office/drawing/2010/main" val="0"/>
+              </a:ext>
+            </a:extLst>
+          </a:blip>
+          <a:stretch>
+            <a:fillRect/>
+          </a:stretch>
+        </p:blipFill>
+        <p:spPr>
+          <a:xfrm>
+            <a:off x="419100" y="4554693"/>
+            <a:ext cx="2383200" cy="1866380"/>
+          </a:xfrm>
+          <a:prstGeom prst="round2DiagRect">
+            <a:avLst>
+              <a:gd name="adj1" fmla="val 16667"/>
+              <a:gd name="adj2" fmla="val 0"/>
+            </a:avLst>
+          </a:prstGeom>
+          <a:ln w="88900" cap="sq">
+            <a:solidFill>
+              <a:srgbClr val="FFFFFF"/>
+            </a:solidFill>
+            <a:miter lim="800000"/>
+          </a:ln>
+          <a:effectLst>
+            <a:outerShdw blurRad="254000" algn="tl" rotWithShape="0">
+              <a:srgbClr val="000000">
+                <a:alpha val="43000"/>
+              </a:srgbClr>
+            </a:outerShdw>
+          </a:effectLst>
+        </p:spPr>
+      </p:pic>
+      <p:sp>
+        <p:nvSpPr>
+          <p:cNvPr id="5" name="正方形/長方形 4"/>
+          <p:cNvSpPr/>
+          <p:nvPr/>
+        </p:nvSpPr>
+        <p:spPr>
+          <a:xfrm>
+            <a:off x="202645" y="6624630"/>
+            <a:ext cx="3758804" cy="3139321"/>
+          </a:xfrm>
+          <a:prstGeom prst="rect">
+            <a:avLst/>
+          </a:prstGeom>
+        </p:spPr>
+        <p:txBody>
+          <a:bodyPr wrap="square">
+            <a:spAutoFit/>
+          </a:bodyPr>
+          <a:lstStyle/>
+          <a:p>
+            <a:r>
+              <a:rPr lang="en-US" altLang="ja-JP" dirty="0"/>
+              <a:t>THUKPAA</a:t>
+            </a:r>
+          </a:p>
+          <a:p>
+            <a:endParaRPr lang="en-US" altLang="ja-JP" dirty="0">
+              <a:solidFill>
+                <a:schemeClr val="accent4">
+                  <a:lumMod val="60000"/>
+                  <a:lumOff val="40000"/>
+                </a:schemeClr>
+              </a:solidFill>
+            </a:endParaRPr>
+          </a:p>
+          <a:p>
+            <a:r>
+              <a:rPr lang="en-US" altLang="ja-JP" dirty="0">
+                <a:solidFill>
+                  <a:schemeClr val="accent4">
+                    <a:lumMod val="60000"/>
+                    <a:lumOff val="40000"/>
+                  </a:schemeClr>
+                </a:solidFill>
+              </a:rPr>
+              <a:t>A thick noodle soup that can include meat, egg or </a:t>
+            </a:r>
+          </a:p>
+          <a:p>
+            <a:r>
+              <a:rPr lang="en-US" altLang="ja-JP" dirty="0">
+                <a:solidFill>
+                  <a:schemeClr val="accent4">
+                    <a:lumMod val="60000"/>
+                    <a:lumOff val="40000"/>
+                  </a:schemeClr>
+                </a:solidFill>
+              </a:rPr>
+              <a:t>just vegetables, </a:t>
+            </a:r>
+            <a:r>
+              <a:rPr lang="en-US" altLang="ja-JP" dirty="0" err="1">
+                <a:solidFill>
+                  <a:schemeClr val="accent4">
+                    <a:lumMod val="60000"/>
+                    <a:lumOff val="40000"/>
+                  </a:schemeClr>
+                </a:solidFill>
+              </a:rPr>
+              <a:t>thukpa</a:t>
+            </a:r>
+            <a:r>
+              <a:rPr lang="en-US" altLang="ja-JP" dirty="0">
+                <a:solidFill>
+                  <a:schemeClr val="accent4">
+                    <a:lumMod val="60000"/>
+                    <a:lumOff val="40000"/>
+                  </a:schemeClr>
+                </a:solidFill>
+              </a:rPr>
+              <a:t> is a winter delicacy from </a:t>
+            </a:r>
+          </a:p>
+          <a:p>
+            <a:r>
+              <a:rPr lang="en-US" altLang="ja-JP" dirty="0">
+                <a:solidFill>
+                  <a:schemeClr val="accent4">
+                    <a:lumMod val="60000"/>
+                    <a:lumOff val="40000"/>
+                  </a:schemeClr>
+                </a:solidFill>
+              </a:rPr>
+              <a:t>the mountains of Nepal that is often served with </a:t>
+            </a:r>
+          </a:p>
+          <a:p>
+            <a:r>
+              <a:rPr lang="en-US" altLang="ja-JP" dirty="0">
+                <a:solidFill>
+                  <a:schemeClr val="accent4">
+                    <a:lumMod val="60000"/>
+                    <a:lumOff val="40000"/>
+                  </a:schemeClr>
+                </a:solidFill>
+              </a:rPr>
+              <a:t>an accompanying dish of </a:t>
+            </a:r>
+            <a:r>
+              <a:rPr lang="en-US" altLang="ja-JP" dirty="0" err="1">
+                <a:solidFill>
+                  <a:schemeClr val="accent4">
+                    <a:lumMod val="60000"/>
+                    <a:lumOff val="40000"/>
+                  </a:schemeClr>
+                </a:solidFill>
+              </a:rPr>
+              <a:t>momo</a:t>
+            </a:r>
+            <a:r>
+              <a:rPr lang="en-US" altLang="ja-JP" dirty="0">
+                <a:solidFill>
+                  <a:schemeClr val="accent4">
+                    <a:lumMod val="60000"/>
+                    <a:lumOff val="40000"/>
+                  </a:schemeClr>
+                </a:solidFill>
+              </a:rPr>
+              <a:t>. Influenced by </a:t>
+            </a:r>
+          </a:p>
+          <a:p>
+            <a:r>
+              <a:rPr lang="en-US" altLang="ja-JP" dirty="0">
+                <a:solidFill>
+                  <a:schemeClr val="accent4">
+                    <a:lumMod val="60000"/>
+                    <a:lumOff val="40000"/>
+                  </a:schemeClr>
+                </a:solidFill>
+              </a:rPr>
+              <a:t>both Tibetan and Chinese cuisine</a:t>
+            </a:r>
+            <a:endParaRPr lang="ja-JP" altLang="en-US" dirty="0">
+              <a:solidFill>
+                <a:schemeClr val="accent4">
+                  <a:lumMod val="60000"/>
+                  <a:lumOff val="40000"/>
+                </a:schemeClr>
+              </a:solidFill>
+            </a:endParaRPr>
+          </a:p>
+        </p:txBody>
+      </p:sp>
+      <p:pic>
+        <p:nvPicPr>
+          <p:cNvPr id="13" name="図 12"/>
+          <p:cNvPicPr>
+            <a:picLocks noChangeAspect="1"/>
+          </p:cNvPicPr>
+          <p:nvPr/>
+        </p:nvPicPr>
+        <p:blipFill>
+          <a:blip r:embed="rId4" cstate="print">
+            <a:extLst>
+              <a:ext uri="{28A0092B-C50C-407E-A947-70E740481C1C}">
+                <a14:useLocalDpi xmlns:a14="http://schemas.microsoft.com/office/drawing/2010/main" val="0"/>
+              </a:ext>
+            </a:extLst>
+          </a:blip>
+          <a:stretch>
+            <a:fillRect/>
+          </a:stretch>
+        </p:blipFill>
+        <p:spPr>
+          <a:xfrm>
+            <a:off x="4049484" y="7244187"/>
+            <a:ext cx="2383197" cy="2187025"/>
+          </a:xfrm>
+          <a:prstGeom prst="round2DiagRect">
+            <a:avLst>
+              <a:gd name="adj1" fmla="val 16667"/>
+              <a:gd name="adj2" fmla="val 0"/>
+            </a:avLst>
+          </a:prstGeom>
+          <a:ln w="88900" cap="sq">
+            <a:solidFill>
+              <a:srgbClr val="FFFFFF"/>
+            </a:solidFill>
+            <a:miter lim="800000"/>
+          </a:ln>
+          <a:effectLst>
+            <a:outerShdw blurRad="254000" algn="tl" rotWithShape="0">
+              <a:srgbClr val="000000">
+                <a:alpha val="43000"/>
+              </a:srgbClr>
+            </a:outerShdw>
+          </a:effectLst>
+        </p:spPr>
+      </p:pic>
+    </p:spTree>
+    <p:extLst>
+      <p:ext uri="{BB962C8B-B14F-4D97-AF65-F5344CB8AC3E}">
+        <p14:creationId xmlns:p14="http://schemas.microsoft.com/office/powerpoint/2010/main" val="2790118613"/>
+      </p:ext>
+    </p:extLst>
+  </p:cSld>
+  <p:clrMapOvr>
+    <a:masterClrMapping/>
+  </p:clrMapOvr>
+  <p:timing>
+    <p:tnLst>
+      <p:par>
+        <p:cTn id="1" dur="indefinite" restart="never" nodeType="tmRoot"/>
+      </p:par>
+    </p:tnLst>
+  </p:timing>
+</p:sld>
+</file>
+
+<file path=ppt/slides/slide6.xml><?xml version="1.0" encoding="utf-8"?>
+<p:sld xmlns:a="http://schemas.openxmlformats.org/drawingml/2006/main" xmlns:r="http://schemas.openxmlformats.org/officeDocument/2006/relationships" xmlns:p="http://schemas.openxmlformats.org/presentationml/2006/main">
+  <p:cSld>
+    <p:spTree>
+      <p:nvGrpSpPr>
+        <p:cNvPr id="1" name=""/>
+        <p:cNvGrpSpPr/>
+        <p:nvPr/>
+      </p:nvGrpSpPr>
+      <p:grpSpPr>
+        <a:xfrm>
+          <a:off x="0" y="0"/>
+          <a:ext cx="0" cy="0"/>
+          <a:chOff x="0" y="0"/>
+          <a:chExt cx="0" cy="0"/>
+        </a:xfrm>
+      </p:grpSpPr>
+      <p:sp>
+        <p:nvSpPr>
+          <p:cNvPr id="2" name="タイトル 1"/>
+          <p:cNvSpPr>
+            <a:spLocks noGrp="1"/>
+          </p:cNvSpPr>
+          <p:nvPr>
+            <p:ph type="title"/>
+          </p:nvPr>
+        </p:nvSpPr>
+        <p:spPr>
+          <a:xfrm>
+            <a:off x="471488" y="413105"/>
+            <a:ext cx="5915025" cy="1914702"/>
+          </a:xfrm>
+        </p:spPr>
+        <p:txBody>
+          <a:bodyPr>
+            <a:normAutofit/>
+          </a:bodyPr>
+          <a:lstStyle/>
+          <a:p>
+            <a:r>
+              <a:rPr lang="en-US" altLang="ja-JP" dirty="0" smtClean="0">
+                <a:solidFill>
+                  <a:srgbClr val="660066"/>
+                </a:solidFill>
+              </a:rPr>
+              <a:t>STREET FOODS NEPAL</a:t>
+            </a:r>
+            <a:endParaRPr lang="ja-JP" altLang="en-US" dirty="0">
+              <a:solidFill>
+                <a:srgbClr val="660066"/>
+              </a:solidFill>
+            </a:endParaRPr>
+          </a:p>
+        </p:txBody>
+      </p:sp>
+      <p:cxnSp>
+        <p:nvCxnSpPr>
+          <p:cNvPr id="7" name="直線コネクタ 6"/>
+          <p:cNvCxnSpPr/>
+          <p:nvPr/>
+        </p:nvCxnSpPr>
+        <p:spPr>
+          <a:xfrm>
+            <a:off x="419100" y="723900"/>
+            <a:ext cx="6019800" cy="0"/>
+          </a:xfrm>
+          <a:prstGeom prst="line">
+            <a:avLst/>
+          </a:prstGeom>
+        </p:spPr>
+        <p:style>
+          <a:lnRef idx="3">
+            <a:schemeClr val="accent5"/>
+          </a:lnRef>
+          <a:fillRef idx="0">
+            <a:schemeClr val="accent5"/>
+          </a:fillRef>
+          <a:effectRef idx="2">
+            <a:schemeClr val="accent5"/>
+          </a:effectRef>
+          <a:fontRef idx="minor">
+            <a:schemeClr val="tx1"/>
+          </a:fontRef>
+        </p:style>
+      </p:cxnSp>
+      <p:cxnSp>
+        <p:nvCxnSpPr>
+          <p:cNvPr id="8" name="直線コネクタ 7"/>
+          <p:cNvCxnSpPr/>
+          <p:nvPr/>
+        </p:nvCxnSpPr>
+        <p:spPr>
+          <a:xfrm>
+            <a:off x="419100" y="876300"/>
+            <a:ext cx="6019800" cy="0"/>
+          </a:xfrm>
+          <a:prstGeom prst="line">
+            <a:avLst/>
+          </a:prstGeom>
+        </p:spPr>
+        <p:style>
+          <a:lnRef idx="3">
+            <a:schemeClr val="accent4"/>
+          </a:lnRef>
+          <a:fillRef idx="0">
+            <a:schemeClr val="accent4"/>
+          </a:fillRef>
+          <a:effectRef idx="2">
+            <a:schemeClr val="accent4"/>
+          </a:effectRef>
+          <a:fontRef idx="minor">
+            <a:schemeClr val="tx1"/>
+          </a:fontRef>
+        </p:style>
+      </p:cxnSp>
+      <p:cxnSp>
+        <p:nvCxnSpPr>
+          <p:cNvPr id="9" name="直線コネクタ 8"/>
+          <p:cNvCxnSpPr/>
+          <p:nvPr/>
+        </p:nvCxnSpPr>
+        <p:spPr>
+          <a:xfrm>
+            <a:off x="419100" y="571500"/>
+            <a:ext cx="6019800" cy="0"/>
+          </a:xfrm>
+          <a:prstGeom prst="line">
+            <a:avLst/>
+          </a:prstGeom>
+          <a:ln>
+            <a:solidFill>
+              <a:schemeClr val="tx1"/>
+            </a:solidFill>
+          </a:ln>
+        </p:spPr>
+        <p:style>
+          <a:lnRef idx="3">
+            <a:schemeClr val="accent4"/>
+          </a:lnRef>
+          <a:fillRef idx="0">
+            <a:schemeClr val="accent4"/>
+          </a:fillRef>
+          <a:effectRef idx="2">
+            <a:schemeClr val="accent4"/>
+          </a:effectRef>
+          <a:fontRef idx="minor">
+            <a:schemeClr val="tx1"/>
+          </a:fontRef>
+        </p:style>
+      </p:cxnSp>
+      <p:pic>
+        <p:nvPicPr>
+          <p:cNvPr id="3" name="図 2"/>
+          <p:cNvPicPr>
+            <a:picLocks noChangeAspect="1"/>
+          </p:cNvPicPr>
+          <p:nvPr/>
+        </p:nvPicPr>
+        <p:blipFill>
+          <a:blip r:embed="rId2">
+            <a:extLst>
+              <a:ext uri="{28A0092B-C50C-407E-A947-70E740481C1C}">
+                <a14:useLocalDpi xmlns:a14="http://schemas.microsoft.com/office/drawing/2010/main" val="0"/>
+              </a:ext>
+            </a:extLst>
+          </a:blip>
+          <a:stretch>
+            <a:fillRect/>
+          </a:stretch>
+        </p:blipFill>
+        <p:spPr>
+          <a:xfrm>
+            <a:off x="3719513" y="1370456"/>
+            <a:ext cx="2814791" cy="1864800"/>
+          </a:xfrm>
+          <a:prstGeom prst="ellipse">
+            <a:avLst/>
+          </a:prstGeom>
+          <a:ln w="190500" cap="rnd">
+            <a:solidFill>
+              <a:srgbClr val="C8C6BD"/>
+            </a:solidFill>
+            <a:prstDash val="solid"/>
+          </a:ln>
+          <a:effectLst>
+            <a:outerShdw blurRad="127000" algn="bl" rotWithShape="0">
+              <a:srgbClr val="000000"/>
+            </a:outerShdw>
+          </a:effectLst>
+          <a:scene3d>
+            <a:camera prst="perspectiveFront" fov="5400000"/>
+            <a:lightRig rig="threePt" dir="t">
+              <a:rot lat="0" lon="0" rev="19200000"/>
+            </a:lightRig>
+          </a:scene3d>
+          <a:sp3d extrusionH="25400">
+            <a:bevelT w="304800" h="152400" prst="hardEdge"/>
+            <a:extrusionClr>
+              <a:srgbClr val="000000"/>
+            </a:extrusionClr>
+          </a:sp3d>
+        </p:spPr>
+      </p:pic>
+    </p:spTree>
+    <p:extLst>
+      <p:ext uri="{BB962C8B-B14F-4D97-AF65-F5344CB8AC3E}">
+        <p14:creationId xmlns:p14="http://schemas.microsoft.com/office/powerpoint/2010/main" val="2103716368"/>
       </p:ext>
     </p:extLst>
   </p:cSld>
